--- a/46341331_Atul_A4 (1).pptx
+++ b/46341331_Atul_A4 (1).pptx
@@ -746,7 +746,7 @@
           </a:ln>
           <a:extLst>
             <a:ext uri="{C572A759-6A51-4108-AA02-DFA0A04FC94B}">
-              <ma14:wrappingTextBoxFlag xmlns="" xmlns:ma14="http://schemas.microsoft.com/office/mac/drawingml/2011/main" xmlns:a14="http://schemas.microsoft.com/office/drawing/2010/main" xmlns:m="http://schemas.openxmlformats.org/officeDocument/2006/math" val="1"/>
+              <ma14:wrappingTextBoxFlag xmlns:m="http://schemas.openxmlformats.org/officeDocument/2006/math" xmlns:a14="http://schemas.microsoft.com/office/drawing/2010/main" xmlns:ma14="http://schemas.microsoft.com/office/mac/drawingml/2011/main" xmlns="" val="1"/>
             </a:ext>
           </a:extLst>
         </p:spPr>
@@ -789,7 +789,7 @@
           </a:ln>
           <a:extLst>
             <a:ext uri="{C572A759-6A51-4108-AA02-DFA0A04FC94B}">
-              <ma14:wrappingTextBoxFlag xmlns="" xmlns:ma14="http://schemas.microsoft.com/office/mac/drawingml/2011/main" xmlns:a14="http://schemas.microsoft.com/office/drawing/2010/main" xmlns:m="http://schemas.openxmlformats.org/officeDocument/2006/math" val="1"/>
+              <ma14:wrappingTextBoxFlag xmlns:m="http://schemas.openxmlformats.org/officeDocument/2006/math" xmlns:a14="http://schemas.microsoft.com/office/drawing/2010/main" xmlns:ma14="http://schemas.microsoft.com/office/mac/drawingml/2011/main" xmlns="" val="1"/>
             </a:ext>
           </a:extLst>
         </p:spPr>
@@ -832,7 +832,7 @@
           </a:ln>
           <a:extLst>
             <a:ext uri="{C572A759-6A51-4108-AA02-DFA0A04FC94B}">
-              <ma14:wrappingTextBoxFlag xmlns="" xmlns:ma14="http://schemas.microsoft.com/office/mac/drawingml/2011/main" xmlns:a14="http://schemas.microsoft.com/office/drawing/2010/main" xmlns:m="http://schemas.openxmlformats.org/officeDocument/2006/math" val="1"/>
+              <ma14:wrappingTextBoxFlag xmlns:m="http://schemas.openxmlformats.org/officeDocument/2006/math" xmlns:a14="http://schemas.microsoft.com/office/drawing/2010/main" xmlns:ma14="http://schemas.microsoft.com/office/mac/drawingml/2011/main" xmlns="" val="1"/>
             </a:ext>
           </a:extLst>
         </p:spPr>
@@ -1415,7 +1415,7 @@
           </a:ln>
           <a:extLst>
             <a:ext uri="{C572A759-6A51-4108-AA02-DFA0A04FC94B}">
-              <ma14:wrappingTextBoxFlag xmlns="" xmlns:ma14="http://schemas.microsoft.com/office/mac/drawingml/2011/main" xmlns:a14="http://schemas.microsoft.com/office/drawing/2010/main" xmlns:m="http://schemas.openxmlformats.org/officeDocument/2006/math" val="1"/>
+              <ma14:wrappingTextBoxFlag xmlns:m="http://schemas.openxmlformats.org/officeDocument/2006/math" xmlns:a14="http://schemas.microsoft.com/office/drawing/2010/main" xmlns:ma14="http://schemas.microsoft.com/office/mac/drawingml/2011/main" xmlns="" val="1"/>
             </a:ext>
           </a:extLst>
         </p:spPr>
@@ -1454,7 +1454,7 @@
           </a:ln>
           <a:extLst>
             <a:ext uri="{C572A759-6A51-4108-AA02-DFA0A04FC94B}">
-              <ma14:wrappingTextBoxFlag xmlns="" xmlns:ma14="http://schemas.microsoft.com/office/mac/drawingml/2011/main" xmlns:a14="http://schemas.microsoft.com/office/drawing/2010/main" xmlns:m="http://schemas.openxmlformats.org/officeDocument/2006/math" val="1"/>
+              <ma14:wrappingTextBoxFlag xmlns:m="http://schemas.openxmlformats.org/officeDocument/2006/math" xmlns:a14="http://schemas.microsoft.com/office/drawing/2010/main" xmlns:ma14="http://schemas.microsoft.com/office/mac/drawingml/2011/main" xmlns="" val="1"/>
             </a:ext>
           </a:extLst>
         </p:spPr>
@@ -2592,7 +2592,7 @@
           </a:prstGeom>
           <a:extLst>
             <a:ext uri="{C572A759-6A51-4108-AA02-DFA0A04FC94B}">
-              <ma14:wrappingTextBoxFlag xmlns="" xmlns:ma14="http://schemas.microsoft.com/office/mac/drawingml/2011/main" xmlns:a14="http://schemas.microsoft.com/office/drawing/2010/main" xmlns:m="http://schemas.openxmlformats.org/officeDocument/2006/math" val="1"/>
+              <ma14:wrappingTextBoxFlag xmlns:m="http://schemas.openxmlformats.org/officeDocument/2006/math" xmlns:a14="http://schemas.microsoft.com/office/drawing/2010/main" xmlns:ma14="http://schemas.microsoft.com/office/mac/drawingml/2011/main" xmlns="" val="1"/>
             </a:ext>
           </a:extLst>
         </p:spPr>
@@ -2636,7 +2636,7 @@
           </a:prstGeom>
           <a:extLst>
             <a:ext uri="{C572A759-6A51-4108-AA02-DFA0A04FC94B}">
-              <ma14:wrappingTextBoxFlag xmlns="" xmlns:ma14="http://schemas.microsoft.com/office/mac/drawingml/2011/main" xmlns:a14="http://schemas.microsoft.com/office/drawing/2010/main" xmlns:m="http://schemas.openxmlformats.org/officeDocument/2006/math" val="1"/>
+              <ma14:wrappingTextBoxFlag xmlns:m="http://schemas.openxmlformats.org/officeDocument/2006/math" xmlns:a14="http://schemas.microsoft.com/office/drawing/2010/main" xmlns:ma14="http://schemas.microsoft.com/office/mac/drawingml/2011/main" xmlns="" val="1"/>
             </a:ext>
           </a:extLst>
         </p:spPr>
@@ -2678,7 +2678,7 @@
           </a:prstGeom>
           <a:extLst>
             <a:ext uri="{C572A759-6A51-4108-AA02-DFA0A04FC94B}">
-              <ma14:wrappingTextBoxFlag xmlns="" xmlns:ma14="http://schemas.microsoft.com/office/mac/drawingml/2011/main" xmlns:a14="http://schemas.microsoft.com/office/drawing/2010/main" xmlns:m="http://schemas.openxmlformats.org/officeDocument/2006/math" val="1"/>
+              <ma14:wrappingTextBoxFlag xmlns:m="http://schemas.openxmlformats.org/officeDocument/2006/math" xmlns:a14="http://schemas.microsoft.com/office/drawing/2010/main" xmlns:ma14="http://schemas.microsoft.com/office/mac/drawingml/2011/main" xmlns="" val="1"/>
             </a:ext>
           </a:extLst>
         </p:spPr>
@@ -2712,21 +2712,21 @@
         </p:nvSpPr>
         <p:spPr>
           <a:xfrm>
-            <a:off x="277018" y="2920201"/>
-            <a:ext cx="4398964" cy="3906838"/>
+            <a:off x="277018" y="2920200"/>
+            <a:ext cx="4398964" cy="4114507"/>
           </a:xfrm>
           <a:prstGeom prst="rect">
             <a:avLst/>
           </a:prstGeom>
           <a:extLst>
             <a:ext uri="{C572A759-6A51-4108-AA02-DFA0A04FC94B}">
-              <ma14:wrappingTextBoxFlag xmlns="" xmlns:ma14="http://schemas.microsoft.com/office/mac/drawingml/2011/main" xmlns:a14="http://schemas.microsoft.com/office/drawing/2010/main" xmlns:m="http://schemas.openxmlformats.org/officeDocument/2006/math" val="1"/>
+              <ma14:wrappingTextBoxFlag xmlns:m="http://schemas.openxmlformats.org/officeDocument/2006/math" xmlns:a14="http://schemas.microsoft.com/office/drawing/2010/main" xmlns:ma14="http://schemas.microsoft.com/office/mac/drawingml/2011/main" xmlns="" val="1"/>
             </a:ext>
           </a:extLst>
         </p:spPr>
         <p:txBody>
           <a:bodyPr>
-            <a:normAutofit fontScale="92500" lnSpcReduction="10000"/>
+            <a:normAutofit fontScale="92500" lnSpcReduction="20000"/>
           </a:bodyPr>
           <a:lstStyle/>
           <a:p>
@@ -2740,15 +2740,7 @@
             </a:pPr>
             <a:r>
               <a:rPr lang="en-IN" sz="1200" dirty="0"/>
-              <a:t>Java Developer </a:t>
-            </a:r>
-            <a:r>
-              <a:rPr lang="en-IN" sz="1200"/>
-              <a:t>with 8 </a:t>
-            </a:r>
-            <a:r>
-              <a:rPr lang="en-IN" sz="1200" dirty="0"/>
-              <a:t>months of experience in application development and backend services. Skilled in the full development cycle and focused on building efficient, user-friendly mobile applications. Proficient in Spring Boot for building scalable microservices, with hands-on experience in Kafka through demo projects exploring distributed messaging systems. Strong team player with excellent interpersonal skills, eager to collaborate on dynamic projects. Adept at debugging and optimizing backend services to improve performance and reliability.</a:t>
+              <a:t>Java Developer with 8 months of experience in application development and backend services. Skilled in the full development cycle and focused on building efficient, user-friendly mobile applications. Proficient in Spring Boot for building scalable microservices, with hands-on experience in Kafka through demo projects exploring distributed messaging systems. Strong team player with excellent interpersonal skills, eager to collaborate on dynamic projects. Adept at debugging and optimizing backend services to improve performance and reliability.</a:t>
             </a:r>
             <a:br>
               <a:rPr lang="en-IN" sz="1000" dirty="0">
@@ -2764,16 +2756,25 @@
           <a:p>
             <a:pPr>
               <a:lnSpc>
-                <a:spcPct val="114000"/>
+                <a:spcPct val="120000"/>
               </a:lnSpc>
-              <a:defRPr sz="1000" b="1"/>
+              <a:spcBef>
+                <a:spcPts val="0"/>
+              </a:spcBef>
             </a:pPr>
+            <a:r>
+              <a:rPr sz="1100" b="1" kern="1200" dirty="0">
+                <a:latin typeface="Verdana" panose="020B0604030504040204" pitchFamily="34" charset="0"/>
+                <a:ea typeface="Verdana" panose="020B0604030504040204" pitchFamily="34" charset="0"/>
+              </a:rPr>
+              <a:t>Specialties</a:t>
+            </a:r>
             <a:r>
               <a:rPr sz="1100" kern="1200" dirty="0">
                 <a:latin typeface="Verdana" panose="020B0604030504040204" pitchFamily="34" charset="0"/>
                 <a:ea typeface="Verdana" panose="020B0604030504040204" pitchFamily="34" charset="0"/>
               </a:rPr>
-              <a:t>Specialties:</a:t>
+              <a:t>:</a:t>
             </a:r>
             <a:endParaRPr lang="en-US" sz="1100" kern="1200" dirty="0">
               <a:latin typeface="Verdana" panose="020B0604030504040204" pitchFamily="34" charset="0"/>
@@ -2907,6 +2908,59 @@
               <a:rPr lang="en-IN" sz="1000" dirty="0"/>
               <a:t> Developed scalable microservices using Spring Boot.</a:t>
             </a:r>
+          </a:p>
+          <a:p>
+            <a:pPr marL="171450" indent="-171450">
+              <a:lnSpc>
+                <a:spcPct val="120000"/>
+              </a:lnSpc>
+              <a:spcBef>
+                <a:spcPts val="0"/>
+              </a:spcBef>
+              <a:buFont typeface="Arial" panose="020B0604020202020204" pitchFamily="34" charset="0"/>
+              <a:buChar char="•"/>
+            </a:pPr>
+            <a:r>
+              <a:rPr lang="en-IN" sz="1000" b="1" dirty="0"/>
+              <a:t>Azure</a:t>
+            </a:r>
+            <a:r>
+              <a:rPr lang="en-IN" sz="1000" dirty="0"/>
+              <a:t>: VM setup, Key Vault, IP config, and basic security.</a:t>
+            </a:r>
+            <a:br>
+              <a:rPr lang="en-IN" sz="1000" dirty="0"/>
+            </a:br>
+            <a:br>
+              <a:rPr lang="en-IN" sz="1000" dirty="0"/>
+            </a:br>
+            <a:endParaRPr lang="en-IN" sz="1000" dirty="0"/>
+          </a:p>
+          <a:p>
+            <a:pPr marL="171450" indent="-171450" fontAlgn="auto" hangingPunct="1">
+              <a:lnSpc>
+                <a:spcPct val="120000"/>
+              </a:lnSpc>
+              <a:spcBef>
+                <a:spcPts val="0"/>
+              </a:spcBef>
+              <a:buFont typeface="Arial" panose="020B0604020202020204" pitchFamily="34" charset="0"/>
+              <a:buChar char="•"/>
+            </a:pPr>
+            <a:endParaRPr lang="en-IN" sz="1000" dirty="0"/>
+          </a:p>
+          <a:p>
+            <a:pPr marL="171450" indent="-171450" fontAlgn="auto" hangingPunct="1">
+              <a:lnSpc>
+                <a:spcPct val="120000"/>
+              </a:lnSpc>
+              <a:spcBef>
+                <a:spcPts val="0"/>
+              </a:spcBef>
+              <a:buFont typeface="Arial" panose="020B0604020202020204" pitchFamily="34" charset="0"/>
+              <a:buChar char="•"/>
+            </a:pPr>
+            <a:endParaRPr lang="en-IN" sz="1000" dirty="0"/>
           </a:p>
           <a:p>
             <a:pPr fontAlgn="auto" hangingPunct="1">
@@ -2941,7 +2995,7 @@
           </a:prstGeom>
           <a:extLst>
             <a:ext uri="{C572A759-6A51-4108-AA02-DFA0A04FC94B}">
-              <ma14:wrappingTextBoxFlag xmlns="" xmlns:ma14="http://schemas.microsoft.com/office/mac/drawingml/2011/main" xmlns:a14="http://schemas.microsoft.com/office/drawing/2010/main" xmlns:m="http://schemas.openxmlformats.org/officeDocument/2006/math" val="1"/>
+              <ma14:wrappingTextBoxFlag xmlns:m="http://schemas.openxmlformats.org/officeDocument/2006/math" xmlns:a14="http://schemas.microsoft.com/office/drawing/2010/main" xmlns:ma14="http://schemas.microsoft.com/office/mac/drawingml/2011/main" xmlns="" val="1"/>
             </a:ext>
           </a:extLst>
         </p:spPr>
@@ -2974,7 +3028,7 @@
         <p:spPr>
           <a:xfrm>
             <a:off x="9364662" y="529145"/>
-            <a:ext cx="2827338" cy="6505563"/>
+            <a:ext cx="2827338" cy="6190092"/>
           </a:xfrm>
           <a:prstGeom prst="rect">
             <a:avLst/>
@@ -2984,7 +3038,7 @@
           </a:ln>
           <a:extLst>
             <a:ext uri="{C572A759-6A51-4108-AA02-DFA0A04FC94B}">
-              <ma14:wrappingTextBoxFlag xmlns="" xmlns:ma14="http://schemas.microsoft.com/office/mac/drawingml/2011/main" xmlns:a14="http://schemas.microsoft.com/office/drawing/2010/main" xmlns:m="http://schemas.openxmlformats.org/officeDocument/2006/math" val="1"/>
+              <ma14:wrappingTextBoxFlag xmlns:m="http://schemas.openxmlformats.org/officeDocument/2006/math" xmlns:a14="http://schemas.microsoft.com/office/drawing/2010/main" xmlns:ma14="http://schemas.microsoft.com/office/mac/drawingml/2011/main" xmlns="" val="1"/>
             </a:ext>
           </a:extLst>
         </p:spPr>
@@ -3140,7 +3194,7 @@
               <a:defRPr/>
             </a:pPr>
             <a:r>
-              <a:rPr lang="en-US" sz="1000">
+              <a:rPr lang="en-US" sz="1000" dirty="0">
                 <a:latin typeface="Verdana" panose="020B0604030504040204" pitchFamily="34" charset="0"/>
                 <a:ea typeface="Verdana" panose="020B0604030504040204" pitchFamily="34" charset="0"/>
                 <a:cs typeface="Verdana" panose="020B0604030504040204" pitchFamily="34" charset="0"/>
@@ -3340,7 +3394,7 @@
                 <a:cs typeface="Verdana" panose="020B0604030504040204" pitchFamily="34" charset="0"/>
                 <a:sym typeface="Arial"/>
               </a:rPr>
-              <a:t>Tools: Jira, Postman</a:t>
+              <a:t>Tools: Jira, Postman, Microsoft Azure</a:t>
             </a:r>
           </a:p>
           <a:p>
@@ -3462,29 +3516,13 @@
             </a:pPr>
             <a:r>
               <a:rPr lang="en-IN" dirty="0"/>
-              <a:t>Developed and deployed Java microservices, leveraging Jira for continuous tracking of tasks and sprint progress</a:t>
-            </a:r>
-          </a:p>
-          <a:p>
-            <a:pPr marL="171450" indent="-171450">
-              <a:lnSpc>
-                <a:spcPct val="90000"/>
-              </a:lnSpc>
-              <a:spcBef>
-                <a:spcPts val="300"/>
-              </a:spcBef>
-              <a:buClr>
-                <a:srgbClr val="998C85"/>
-              </a:buClr>
-              <a:buSzPct val="100000"/>
-              <a:buFont typeface="Arial"/>
-              <a:buChar char="•"/>
-              <a:defRPr sz="1000"/>
-            </a:pPr>
-            <a:r>
-              <a:rPr lang="en-IN" dirty="0"/>
-              <a:t>Bug Fixing and supporting team in handling the issues.</a:t>
-            </a:r>
+              <a:t>Developed and deployed Java microservices, leveraging Jira for continuous tracking of tasks and </a:t>
+            </a:r>
+            <a:r>
+              <a:rPr lang="en-IN"/>
+              <a:t>sprint progress.</a:t>
+            </a:r>
+            <a:endParaRPr lang="en-IN" dirty="0"/>
           </a:p>
           <a:p>
             <a:pPr>
@@ -3605,7 +3643,7 @@
             <a:effectLst/>
             <a:extLst>
               <a:ext uri="{C572A759-6A51-4108-AA02-DFA0A04FC94B}">
-                <ma14:wrappingTextBoxFlag xmlns="" xmlns:ma14="http://schemas.microsoft.com/office/mac/drawingml/2011/main" xmlns:a14="http://schemas.microsoft.com/office/drawing/2010/main" xmlns:m="http://schemas.openxmlformats.org/officeDocument/2006/math" val="1"/>
+                <ma14:wrappingTextBoxFlag xmlns:m="http://schemas.openxmlformats.org/officeDocument/2006/math" xmlns:a14="http://schemas.microsoft.com/office/drawing/2010/main" xmlns:ma14="http://schemas.microsoft.com/office/mac/drawingml/2011/main" xmlns="" val="1"/>
               </a:ext>
             </a:extLst>
           </p:spPr>
@@ -3651,7 +3689,7 @@
             <a:effectLst/>
             <a:extLst>
               <a:ext uri="{C572A759-6A51-4108-AA02-DFA0A04FC94B}">
-                <ma14:wrappingTextBoxFlag xmlns="" xmlns:ma14="http://schemas.microsoft.com/office/mac/drawingml/2011/main" xmlns:a14="http://schemas.microsoft.com/office/drawing/2010/main" xmlns:m="http://schemas.openxmlformats.org/officeDocument/2006/math" val="1"/>
+                <ma14:wrappingTextBoxFlag xmlns:m="http://schemas.openxmlformats.org/officeDocument/2006/math" xmlns:a14="http://schemas.microsoft.com/office/drawing/2010/main" xmlns:ma14="http://schemas.microsoft.com/office/mac/drawingml/2011/main" xmlns="" val="1"/>
               </a:ext>
             </a:extLst>
           </p:spPr>
@@ -3697,7 +3735,7 @@
             <a:effectLst/>
             <a:extLst>
               <a:ext uri="{C572A759-6A51-4108-AA02-DFA0A04FC94B}">
-                <ma14:wrappingTextBoxFlag xmlns="" xmlns:ma14="http://schemas.microsoft.com/office/mac/drawingml/2011/main" xmlns:a14="http://schemas.microsoft.com/office/drawing/2010/main" xmlns:m="http://schemas.openxmlformats.org/officeDocument/2006/math" val="1"/>
+                <ma14:wrappingTextBoxFlag xmlns:m="http://schemas.openxmlformats.org/officeDocument/2006/math" xmlns:a14="http://schemas.microsoft.com/office/drawing/2010/main" xmlns:ma14="http://schemas.microsoft.com/office/mac/drawingml/2011/main" xmlns="" val="1"/>
               </a:ext>
             </a:extLst>
           </p:spPr>
